--- a/assets/mal-profile-page/v4/template.pptx
+++ b/assets/mal-profile-page/v4/template.pptx
@@ -7618,11 +7618,10 @@
           <a:prstGeom prst="rect">
             <a:avLst/>
           </a:prstGeom>
-          <a:solidFill>
-            <a:schemeClr val="bg1">
-              <a:lumMod val="75000"/>
-            </a:schemeClr>
-          </a:solidFill>
+          <a:noFill/>
+          <a:ln>
+            <a:noFill/>
+          </a:ln>
         </p:spPr>
         <p:txBody>
           <a:bodyPr wrap="square">
@@ -7637,30 +7636,21 @@
                   <a:srgbClr val="000000"/>
                 </a:solidFill>
                 <a:effectLst/>
-                <a:latin typeface="Verdana" panose="020B0604030504040204" pitchFamily="34" charset="0"/>
+                <a:latin typeface="SF Pro Text" panose="00000500000000000000" pitchFamily="2" charset="0"/>
+                <a:ea typeface="SF Pro Text" panose="00000500000000000000" pitchFamily="2" charset="0"/>
               </a:rPr>
-              <a:t>I'm level 14 on mal-badges.</a:t>
+              <a:t>View my badges and level</a:t>
             </a:r>
-            <a:br>
-              <a:rPr lang="en-US" sz="1100" b="0" i="0" dirty="0">
-                <a:solidFill>
-                  <a:srgbClr val="000000"/>
-                </a:solidFill>
-                <a:effectLst/>
-                <a:latin typeface="Verdana" panose="020B0604030504040204" pitchFamily="34" charset="0"/>
+          </a:p>
+          <a:p>
+            <a:pPr algn="ctr"/>
+            <a:r>
+              <a:rPr lang="en-US" sz="1100" dirty="0">
+                <a:latin typeface="SF Pro Text" panose="00000500000000000000" pitchFamily="2" charset="0"/>
+                <a:ea typeface="SF Pro Text" panose="00000500000000000000" pitchFamily="2" charset="0"/>
               </a:rPr>
-            </a:br>
-            <a:r>
-              <a:rPr lang="en-US" sz="1100" b="0" i="0" dirty="0">
-                <a:solidFill>
-                  <a:srgbClr val="000000"/>
-                </a:solidFill>
-                <a:effectLst/>
-                <a:latin typeface="Verdana" panose="020B0604030504040204" pitchFamily="34" charset="0"/>
-              </a:rPr>
-              <a:t>View my badges</a:t>
+              <a:t>on        mal-badges</a:t>
             </a:r>
-            <a:endParaRPr lang="en-US" sz="1100" dirty="0"/>
           </a:p>
         </p:txBody>
       </p:sp>
@@ -10940,6 +10930,91 @@
           </p:spPr>
         </p:pic>
       </p:grpSp>
+      <p:pic>
+        <p:nvPicPr>
+          <p:cNvPr id="1026" name="Picture 2">
+            <a:extLst>
+              <a:ext uri="{FF2B5EF4-FFF2-40B4-BE49-F238E27FC236}">
+                <a16:creationId xmlns:a16="http://schemas.microsoft.com/office/drawing/2014/main" id="{54B10740-6778-4E59-8663-3B51069488B7}"/>
+              </a:ext>
+            </a:extLst>
+          </p:cNvPr>
+          <p:cNvPicPr>
+            <a:picLocks noChangeAspect="1" noChangeArrowheads="1"/>
+          </p:cNvPicPr>
+          <p:nvPr/>
+        </p:nvPicPr>
+        <p:blipFill>
+          <a:blip r:embed="rId49">
+            <a:extLst>
+              <a:ext uri="{28A0092B-C50C-407E-A947-70E740481C1C}">
+                <a14:useLocalDpi xmlns:a14="http://schemas.microsoft.com/office/drawing/2010/main" val="0"/>
+              </a:ext>
+            </a:extLst>
+          </a:blip>
+          <a:srcRect/>
+          <a:stretch>
+            <a:fillRect/>
+          </a:stretch>
+        </p:blipFill>
+        <p:spPr bwMode="auto">
+          <a:xfrm>
+            <a:off x="5149062" y="18586416"/>
+            <a:ext cx="224541" cy="224541"/>
+          </a:xfrm>
+          <a:prstGeom prst="rect">
+            <a:avLst/>
+          </a:prstGeom>
+          <a:noFill/>
+          <a:extLst>
+            <a:ext uri="{909E8E84-426E-40DD-AFC4-6F175D3DCCD1}">
+              <a14:hiddenFill xmlns:a14="http://schemas.microsoft.com/office/drawing/2010/main">
+                <a:solidFill>
+                  <a:srgbClr val="FFFFFF"/>
+                </a:solidFill>
+              </a14:hiddenFill>
+            </a:ext>
+          </a:extLst>
+        </p:spPr>
+      </p:pic>
+      <p:cxnSp>
+        <p:nvCxnSpPr>
+          <p:cNvPr id="4" name="Straight Connector 3">
+            <a:extLst>
+              <a:ext uri="{FF2B5EF4-FFF2-40B4-BE49-F238E27FC236}">
+                <a16:creationId xmlns:a16="http://schemas.microsoft.com/office/drawing/2014/main" id="{7451EE15-B6A3-42CE-8B30-EC0894CD63B0}"/>
+              </a:ext>
+            </a:extLst>
+          </p:cNvPr>
+          <p:cNvCxnSpPr>
+            <a:cxnSpLocks/>
+          </p:cNvCxnSpPr>
+          <p:nvPr/>
+        </p:nvCxnSpPr>
+        <p:spPr>
+          <a:xfrm>
+            <a:off x="4182863" y="18371780"/>
+            <a:ext cx="0" cy="429768"/>
+          </a:xfrm>
+          <a:prstGeom prst="line">
+            <a:avLst/>
+          </a:prstGeom>
+        </p:spPr>
+        <p:style>
+          <a:lnRef idx="1">
+            <a:schemeClr val="accent1"/>
+          </a:lnRef>
+          <a:fillRef idx="0">
+            <a:schemeClr val="accent1"/>
+          </a:fillRef>
+          <a:effectRef idx="0">
+            <a:schemeClr val="accent1"/>
+          </a:effectRef>
+          <a:fontRef idx="minor">
+            <a:schemeClr val="tx1"/>
+          </a:fontRef>
+        </p:style>
+      </p:cxnSp>
     </p:spTree>
     <p:extLst>
       <p:ext uri="{BB962C8B-B14F-4D97-AF65-F5344CB8AC3E}">
